--- a/API문서 및 설계서.pptx
+++ b/API문서 및 설계서.pptx
@@ -140,7 +140,7 @@
 <file path=ppt/revisionInfo.xml><?xml version="1.0" encoding="utf-8"?>
 <p1510:revInfo xmlns:a="http://schemas.openxmlformats.org/drawingml/2006/main" xmlns:r="http://schemas.openxmlformats.org/officeDocument/2006/relationships" xmlns:p1510="http://schemas.microsoft.com/office/powerpoint/2015/10/main">
   <p1510:revLst>
-    <p1510:client id="{4DE66494-F793-40D4-A1DD-1173B77303F2}" v="390" dt="2025-03-30T09:55:27.639"/>
+    <p1510:client id="{C150514B-BBB5-4A8E-AA05-C59ADD2B5DE6}" v="4" dt="2025-04-08T01:18:10.406"/>
   </p1510:revLst>
 </p1510:revInfo>
 </file>
@@ -318,6 +318,110 @@
     </pc:docChg>
   </pc:docChgLst>
   <pc:docChgLst>
+    <pc:chgData name="상욱 이" userId="25c41c118c829273" providerId="LiveId" clId="{C150514B-BBB5-4A8E-AA05-C59ADD2B5DE6}"/>
+    <pc:docChg chg="undo custSel modSld">
+      <pc:chgData name="상욱 이" userId="25c41c118c829273" providerId="LiveId" clId="{C150514B-BBB5-4A8E-AA05-C59ADD2B5DE6}" dt="2025-04-08T01:19:14.184" v="153" actId="1036"/>
+      <pc:docMkLst>
+        <pc:docMk/>
+      </pc:docMkLst>
+      <pc:sldChg chg="addSp modSp mod">
+        <pc:chgData name="상욱 이" userId="25c41c118c829273" providerId="LiveId" clId="{C150514B-BBB5-4A8E-AA05-C59ADD2B5DE6}" dt="2025-04-08T01:19:14.184" v="153" actId="1036"/>
+        <pc:sldMkLst>
+          <pc:docMk/>
+          <pc:sldMk cId="124138116" sldId="665"/>
+        </pc:sldMkLst>
+        <pc:spChg chg="mod">
+          <ac:chgData name="상욱 이" userId="25c41c118c829273" providerId="LiveId" clId="{C150514B-BBB5-4A8E-AA05-C59ADD2B5DE6}" dt="2025-04-08T01:17:13.295" v="17" actId="14100"/>
+          <ac:spMkLst>
+            <pc:docMk/>
+            <pc:sldMk cId="124138116" sldId="665"/>
+            <ac:spMk id="3" creationId="{6FCC192D-5609-D3A0-074F-3E2CA9899816}"/>
+          </ac:spMkLst>
+        </pc:spChg>
+        <pc:spChg chg="mod">
+          <ac:chgData name="상욱 이" userId="25c41c118c829273" providerId="LiveId" clId="{C150514B-BBB5-4A8E-AA05-C59ADD2B5DE6}" dt="2025-04-08T01:17:29.640" v="24" actId="14100"/>
+          <ac:spMkLst>
+            <pc:docMk/>
+            <pc:sldMk cId="124138116" sldId="665"/>
+            <ac:spMk id="5" creationId="{2967F0BB-7199-81CF-DD94-ADEACBBE17A5}"/>
+          </ac:spMkLst>
+        </pc:spChg>
+        <pc:spChg chg="mod">
+          <ac:chgData name="상욱 이" userId="25c41c118c829273" providerId="LiveId" clId="{C150514B-BBB5-4A8E-AA05-C59ADD2B5DE6}" dt="2025-04-08T01:17:55.911" v="83"/>
+          <ac:spMkLst>
+            <pc:docMk/>
+            <pc:sldMk cId="124138116" sldId="665"/>
+            <ac:spMk id="7" creationId="{A298519B-4D29-BE0F-093D-F2B2CAA7F96C}"/>
+          </ac:spMkLst>
+        </pc:spChg>
+        <pc:spChg chg="mod">
+          <ac:chgData name="상욱 이" userId="25c41c118c829273" providerId="LiveId" clId="{C150514B-BBB5-4A8E-AA05-C59ADD2B5DE6}" dt="2025-04-08T01:19:08.775" v="149" actId="1036"/>
+          <ac:spMkLst>
+            <pc:docMk/>
+            <pc:sldMk cId="124138116" sldId="665"/>
+            <ac:spMk id="10" creationId="{9C346704-04A4-011E-65B7-0C3009804AE4}"/>
+          </ac:spMkLst>
+        </pc:spChg>
+        <pc:spChg chg="mod">
+          <ac:chgData name="상욱 이" userId="25c41c118c829273" providerId="LiveId" clId="{C150514B-BBB5-4A8E-AA05-C59ADD2B5DE6}" dt="2025-04-08T01:16:58.082" v="9" actId="14100"/>
+          <ac:spMkLst>
+            <pc:docMk/>
+            <pc:sldMk cId="124138116" sldId="665"/>
+            <ac:spMk id="12" creationId="{CB780764-A5F2-833A-4F3A-D78E35A4B017}"/>
+          </ac:spMkLst>
+        </pc:spChg>
+        <pc:spChg chg="mod">
+          <ac:chgData name="상욱 이" userId="25c41c118c829273" providerId="LiveId" clId="{C150514B-BBB5-4A8E-AA05-C59ADD2B5DE6}" dt="2025-04-08T01:17:45.726" v="60" actId="1036"/>
+          <ac:spMkLst>
+            <pc:docMk/>
+            <pc:sldMk cId="124138116" sldId="665"/>
+            <ac:spMk id="13" creationId="{CA4B5CA8-493E-2662-5396-C56052559399}"/>
+          </ac:spMkLst>
+        </pc:spChg>
+        <pc:spChg chg="mod">
+          <ac:chgData name="상욱 이" userId="25c41c118c829273" providerId="LiveId" clId="{C150514B-BBB5-4A8E-AA05-C59ADD2B5DE6}" dt="2025-04-08T01:19:14.184" v="153" actId="1036"/>
+          <ac:spMkLst>
+            <pc:docMk/>
+            <pc:sldMk cId="124138116" sldId="665"/>
+            <ac:spMk id="14" creationId="{A1EB906D-2258-8C85-3CA8-562C24245205}"/>
+          </ac:spMkLst>
+        </pc:spChg>
+        <pc:spChg chg="mod">
+          <ac:chgData name="상욱 이" userId="25c41c118c829273" providerId="LiveId" clId="{C150514B-BBB5-4A8E-AA05-C59ADD2B5DE6}" dt="2025-04-08T01:18:22.766" v="118" actId="1076"/>
+          <ac:spMkLst>
+            <pc:docMk/>
+            <pc:sldMk cId="124138116" sldId="665"/>
+            <ac:spMk id="15" creationId="{5D27D4EA-DE32-CA82-93A4-647EDD9AAA03}"/>
+          </ac:spMkLst>
+        </pc:spChg>
+        <pc:spChg chg="mod">
+          <ac:chgData name="상욱 이" userId="25c41c118c829273" providerId="LiveId" clId="{C150514B-BBB5-4A8E-AA05-C59ADD2B5DE6}" dt="2025-04-08T01:17:17.991" v="21" actId="1076"/>
+          <ac:spMkLst>
+            <pc:docMk/>
+            <pc:sldMk cId="124138116" sldId="665"/>
+            <ac:spMk id="23" creationId="{D1D5E998-70DE-1B50-A3ED-191912740AFE}"/>
+          </ac:spMkLst>
+        </pc:spChg>
+        <pc:spChg chg="mod">
+          <ac:chgData name="상욱 이" userId="25c41c118c829273" providerId="LiveId" clId="{C150514B-BBB5-4A8E-AA05-C59ADD2B5DE6}" dt="2025-04-08T01:17:44.303" v="57" actId="1036"/>
+          <ac:spMkLst>
+            <pc:docMk/>
+            <pc:sldMk cId="124138116" sldId="665"/>
+            <ac:spMk id="31" creationId="{1A742EB7-2705-5294-5175-34D795B1E950}"/>
+          </ac:spMkLst>
+        </pc:spChg>
+        <pc:cxnChg chg="add mod">
+          <ac:chgData name="상욱 이" userId="25c41c118c829273" providerId="LiveId" clId="{C150514B-BBB5-4A8E-AA05-C59ADD2B5DE6}" dt="2025-04-08T01:19:06.224" v="137" actId="14100"/>
+          <ac:cxnSpMkLst>
+            <pc:docMk/>
+            <pc:sldMk cId="124138116" sldId="665"/>
+            <ac:cxnSpMk id="4" creationId="{C58C4BD6-6631-1097-19E1-3250C1BB51D2}"/>
+          </ac:cxnSpMkLst>
+        </pc:cxnChg>
+      </pc:sldChg>
+    </pc:docChg>
+  </pc:docChgLst>
+  <pc:docChgLst>
     <pc:chgData name="상욱 이" userId="25c41c118c829273" providerId="LiveId" clId="{4DE66494-F793-40D4-A1DD-1173B77303F2}"/>
     <pc:docChg chg="undo redo custSel addSld delSld modSld sldOrd">
       <pc:chgData name="상욱 이" userId="25c41c118c829273" providerId="LiveId" clId="{4DE66494-F793-40D4-A1DD-1173B77303F2}" dt="2025-03-30T09:55:27.639" v="4153"/>
@@ -330,22 +434,6 @@
           <pc:docMk/>
           <pc:sldMk cId="4229784265" sldId="640"/>
         </pc:sldMkLst>
-        <pc:picChg chg="del">
-          <ac:chgData name="상욱 이" userId="25c41c118c829273" providerId="LiveId" clId="{4DE66494-F793-40D4-A1DD-1173B77303F2}" dt="2025-03-30T09:08:05.922" v="1" actId="478"/>
-          <ac:picMkLst>
-            <pc:docMk/>
-            <pc:sldMk cId="4229784265" sldId="640"/>
-            <ac:picMk id="2" creationId="{29EDCAFB-5609-ECD2-E7FD-7F225F805A30}"/>
-          </ac:picMkLst>
-        </pc:picChg>
-        <pc:picChg chg="del">
-          <ac:chgData name="상욱 이" userId="25c41c118c829273" providerId="LiveId" clId="{4DE66494-F793-40D4-A1DD-1173B77303F2}" dt="2025-03-30T09:08:06.848" v="3" actId="478"/>
-          <ac:picMkLst>
-            <pc:docMk/>
-            <pc:sldMk cId="4229784265" sldId="640"/>
-            <ac:picMk id="3" creationId="{8474FE0C-343C-20AA-E03C-C234F9E4BEE8}"/>
-          </ac:picMkLst>
-        </pc:picChg>
         <pc:picChg chg="add mod">
           <ac:chgData name="상욱 이" userId="25c41c118c829273" providerId="LiveId" clId="{4DE66494-F793-40D4-A1DD-1173B77303F2}" dt="2025-03-30T09:09:33.801" v="27" actId="1076"/>
           <ac:picMkLst>
@@ -360,22 +448,6 @@
             <pc:docMk/>
             <pc:sldMk cId="4229784265" sldId="640"/>
             <ac:picMk id="5" creationId="{AB82FE8E-E5A0-0B3A-08A8-18820441A225}"/>
-          </ac:picMkLst>
-        </pc:picChg>
-        <pc:picChg chg="del">
-          <ac:chgData name="상욱 이" userId="25c41c118c829273" providerId="LiveId" clId="{4DE66494-F793-40D4-A1DD-1173B77303F2}" dt="2025-03-30T09:08:06.254" v="2" actId="478"/>
-          <ac:picMkLst>
-            <pc:docMk/>
-            <pc:sldMk cId="4229784265" sldId="640"/>
-            <ac:picMk id="1026" creationId="{CA514B6C-0AD3-CF02-A346-45690AD19281}"/>
-          </ac:picMkLst>
-        </pc:picChg>
-        <pc:picChg chg="del">
-          <ac:chgData name="상욱 이" userId="25c41c118c829273" providerId="LiveId" clId="{4DE66494-F793-40D4-A1DD-1173B77303F2}" dt="2025-03-30T09:08:05.394" v="0" actId="478"/>
-          <ac:picMkLst>
-            <pc:docMk/>
-            <pc:sldMk cId="4229784265" sldId="640"/>
-            <ac:picMk id="1028" creationId="{FF3FE353-C839-B0E5-AC3D-81C219956568}"/>
           </ac:picMkLst>
         </pc:picChg>
         <pc:picChg chg="add mod">
@@ -409,54 +481,6 @@
           <pc:docMk/>
           <pc:sldMk cId="4064668374" sldId="641"/>
         </pc:sldMkLst>
-        <pc:spChg chg="add mod">
-          <ac:chgData name="상욱 이" userId="25c41c118c829273" providerId="LiveId" clId="{4DE66494-F793-40D4-A1DD-1173B77303F2}" dt="2025-03-30T09:21:28.646" v="829"/>
-          <ac:spMkLst>
-            <pc:docMk/>
-            <pc:sldMk cId="4064668374" sldId="641"/>
-            <ac:spMk id="2" creationId="{FB5F14FC-D7ED-1F88-1C89-2924DCBB1F99}"/>
-          </ac:spMkLst>
-        </pc:spChg>
-        <pc:spChg chg="add mod">
-          <ac:chgData name="상욱 이" userId="25c41c118c829273" providerId="LiveId" clId="{4DE66494-F793-40D4-A1DD-1173B77303F2}" dt="2025-03-30T09:21:28.646" v="829"/>
-          <ac:spMkLst>
-            <pc:docMk/>
-            <pc:sldMk cId="4064668374" sldId="641"/>
-            <ac:spMk id="3" creationId="{CCBD52A3-7DB8-F9C4-DE01-421C9AB04ADF}"/>
-          </ac:spMkLst>
-        </pc:spChg>
-        <pc:spChg chg="add mod">
-          <ac:chgData name="상욱 이" userId="25c41c118c829273" providerId="LiveId" clId="{4DE66494-F793-40D4-A1DD-1173B77303F2}" dt="2025-03-30T09:21:28.646" v="829"/>
-          <ac:spMkLst>
-            <pc:docMk/>
-            <pc:sldMk cId="4064668374" sldId="641"/>
-            <ac:spMk id="4" creationId="{6A708BB4-282C-B667-F8AC-004DB5A9758A}"/>
-          </ac:spMkLst>
-        </pc:spChg>
-        <pc:spChg chg="add mod">
-          <ac:chgData name="상욱 이" userId="25c41c118c829273" providerId="LiveId" clId="{4DE66494-F793-40D4-A1DD-1173B77303F2}" dt="2025-03-30T09:21:28.646" v="829"/>
-          <ac:spMkLst>
-            <pc:docMk/>
-            <pc:sldMk cId="4064668374" sldId="641"/>
-            <ac:spMk id="5" creationId="{1B0B9BB9-866A-CE04-ECE7-9F10DBCC3FE9}"/>
-          </ac:spMkLst>
-        </pc:spChg>
-        <pc:spChg chg="del">
-          <ac:chgData name="상욱 이" userId="25c41c118c829273" providerId="LiveId" clId="{4DE66494-F793-40D4-A1DD-1173B77303F2}" dt="2025-03-30T09:21:40.089" v="837" actId="478"/>
-          <ac:spMkLst>
-            <pc:docMk/>
-            <pc:sldMk cId="4064668374" sldId="641"/>
-            <ac:spMk id="7" creationId="{BE221D1D-D509-7C14-7499-8C7F169E4919}"/>
-          </ac:spMkLst>
-        </pc:spChg>
-        <pc:spChg chg="del">
-          <ac:chgData name="상욱 이" userId="25c41c118c829273" providerId="LiveId" clId="{4DE66494-F793-40D4-A1DD-1173B77303F2}" dt="2025-03-30T09:21:36.896" v="836" actId="478"/>
-          <ac:spMkLst>
-            <pc:docMk/>
-            <pc:sldMk cId="4064668374" sldId="641"/>
-            <ac:spMk id="8" creationId="{C87FE47E-03DC-A0AA-9081-C0CCA4C63C60}"/>
-          </ac:spMkLst>
-        </pc:spChg>
         <pc:spChg chg="add mod">
           <ac:chgData name="상욱 이" userId="25c41c118c829273" providerId="LiveId" clId="{4DE66494-F793-40D4-A1DD-1173B77303F2}" dt="2025-03-30T09:21:54.293" v="865"/>
           <ac:spMkLst>
@@ -503,62 +527,6 @@
             <pc:docMk/>
             <pc:sldMk cId="4064668374" sldId="641"/>
             <ac:spMk id="23" creationId="{56078F94-C6E9-F28B-CB07-4BF80019C87C}"/>
-          </ac:spMkLst>
-        </pc:spChg>
-        <pc:spChg chg="del mod">
-          <ac:chgData name="상욱 이" userId="25c41c118c829273" providerId="LiveId" clId="{4DE66494-F793-40D4-A1DD-1173B77303F2}" dt="2025-03-30T09:21:16.972" v="824" actId="478"/>
-          <ac:spMkLst>
-            <pc:docMk/>
-            <pc:sldMk cId="4064668374" sldId="641"/>
-            <ac:spMk id="24" creationId="{1EE7A052-80FA-D04C-AE83-1472C2293C8E}"/>
-          </ac:spMkLst>
-        </pc:spChg>
-        <pc:spChg chg="del">
-          <ac:chgData name="상욱 이" userId="25c41c118c829273" providerId="LiveId" clId="{4DE66494-F793-40D4-A1DD-1173B77303F2}" dt="2025-03-30T09:21:33.732" v="833" actId="478"/>
-          <ac:spMkLst>
-            <pc:docMk/>
-            <pc:sldMk cId="4064668374" sldId="641"/>
-            <ac:spMk id="25" creationId="{D94946AF-A147-04F6-7568-49C6B82A2AB2}"/>
-          </ac:spMkLst>
-        </pc:spChg>
-        <pc:spChg chg="del">
-          <ac:chgData name="상욱 이" userId="25c41c118c829273" providerId="LiveId" clId="{4DE66494-F793-40D4-A1DD-1173B77303F2}" dt="2025-03-30T09:21:32.924" v="832" actId="478"/>
-          <ac:spMkLst>
-            <pc:docMk/>
-            <pc:sldMk cId="4064668374" sldId="641"/>
-            <ac:spMk id="26" creationId="{87376023-BF6A-5294-AA98-32CF2087F0C2}"/>
-          </ac:spMkLst>
-        </pc:spChg>
-        <pc:spChg chg="del">
-          <ac:chgData name="상욱 이" userId="25c41c118c829273" providerId="LiveId" clId="{4DE66494-F793-40D4-A1DD-1173B77303F2}" dt="2025-03-30T09:21:32.225" v="831" actId="478"/>
-          <ac:spMkLst>
-            <pc:docMk/>
-            <pc:sldMk cId="4064668374" sldId="641"/>
-            <ac:spMk id="27" creationId="{A5548794-E485-CDBE-521C-5F053835BB09}"/>
-          </ac:spMkLst>
-        </pc:spChg>
-        <pc:spChg chg="del">
-          <ac:chgData name="상욱 이" userId="25c41c118c829273" providerId="LiveId" clId="{4DE66494-F793-40D4-A1DD-1173B77303F2}" dt="2025-03-30T09:21:43.063" v="838" actId="478"/>
-          <ac:spMkLst>
-            <pc:docMk/>
-            <pc:sldMk cId="4064668374" sldId="641"/>
-            <ac:spMk id="28" creationId="{6EB5B65A-4E39-5A33-59EB-341E83C301DA}"/>
-          </ac:spMkLst>
-        </pc:spChg>
-        <pc:spChg chg="del">
-          <ac:chgData name="상욱 이" userId="25c41c118c829273" providerId="LiveId" clId="{4DE66494-F793-40D4-A1DD-1173B77303F2}" dt="2025-03-30T09:21:46.032" v="839" actId="478"/>
-          <ac:spMkLst>
-            <pc:docMk/>
-            <pc:sldMk cId="4064668374" sldId="641"/>
-            <ac:spMk id="29" creationId="{08713412-4ED8-431A-9A83-D016D9E3071A}"/>
-          </ac:spMkLst>
-        </pc:spChg>
-        <pc:spChg chg="del">
-          <ac:chgData name="상욱 이" userId="25c41c118c829273" providerId="LiveId" clId="{4DE66494-F793-40D4-A1DD-1173B77303F2}" dt="2025-03-30T09:21:31.464" v="830" actId="478"/>
-          <ac:spMkLst>
-            <pc:docMk/>
-            <pc:sldMk cId="4064668374" sldId="641"/>
-            <ac:spMk id="30" creationId="{97CF4E0B-8814-056B-1F9A-F900AB126AAE}"/>
           </ac:spMkLst>
         </pc:spChg>
         <pc:graphicFrameChg chg="mod modGraphic">
@@ -614,14 +582,6 @@
             <pc:docMk/>
             <pc:sldMk cId="5470918" sldId="646"/>
             <ac:spMk id="6" creationId="{54A661B5-6BA3-3D18-722D-21E21D806CD2}"/>
-          </ac:spMkLst>
-        </pc:spChg>
-        <pc:spChg chg="add del">
-          <ac:chgData name="상욱 이" userId="25c41c118c829273" providerId="LiveId" clId="{4DE66494-F793-40D4-A1DD-1173B77303F2}" dt="2025-03-30T09:30:21.240" v="1818" actId="478"/>
-          <ac:spMkLst>
-            <pc:docMk/>
-            <pc:sldMk cId="5470918" sldId="646"/>
-            <ac:spMk id="7" creationId="{A1AE8466-46F4-9FE3-133A-E2CFE2205652}"/>
           </ac:spMkLst>
         </pc:spChg>
         <pc:spChg chg="add">
@@ -711,14 +671,6 @@
           <pc:docMk/>
           <pc:sldMk cId="2625354944" sldId="647"/>
         </pc:sldMkLst>
-        <pc:spChg chg="mod">
-          <ac:chgData name="상욱 이" userId="25c41c118c829273" providerId="LiveId" clId="{4DE66494-F793-40D4-A1DD-1173B77303F2}" dt="2025-03-30T09:21:26.586" v="827" actId="1076"/>
-          <ac:spMkLst>
-            <pc:docMk/>
-            <pc:sldMk cId="2625354944" sldId="647"/>
-            <ac:spMk id="23" creationId="{228C8B6C-E843-560E-7793-5152D05ADD9E}"/>
-          </ac:spMkLst>
-        </pc:spChg>
       </pc:sldChg>
       <pc:sldChg chg="del">
         <pc:chgData name="상욱 이" userId="25c41c118c829273" providerId="LiveId" clId="{4DE66494-F793-40D4-A1DD-1173B77303F2}" dt="2025-03-30T09:45:31.231" v="3513" actId="47"/>
@@ -741,22 +693,6 @@
             <ac:spMk id="2" creationId="{360C286B-74D1-FFDA-D5B0-F1930383DBC3}"/>
           </ac:spMkLst>
         </pc:spChg>
-        <pc:spChg chg="add del">
-          <ac:chgData name="상욱 이" userId="25c41c118c829273" providerId="LiveId" clId="{4DE66494-F793-40D4-A1DD-1173B77303F2}" dt="2025-03-30T09:13:33.837" v="111" actId="22"/>
-          <ac:spMkLst>
-            <pc:docMk/>
-            <pc:sldMk cId="2913420112" sldId="652"/>
-            <ac:spMk id="9" creationId="{CD13B74A-E54D-F1C4-32D2-F4716816D047}"/>
-          </ac:spMkLst>
-        </pc:spChg>
-        <pc:graphicFrameChg chg="add del">
-          <ac:chgData name="상욱 이" userId="25c41c118c829273" providerId="LiveId" clId="{4DE66494-F793-40D4-A1DD-1173B77303F2}" dt="2025-03-30T09:10:27.817" v="37" actId="478"/>
-          <ac:graphicFrameMkLst>
-            <pc:docMk/>
-            <pc:sldMk cId="2913420112" sldId="652"/>
-            <ac:graphicFrameMk id="5" creationId="{E4700D7E-739C-1C46-FCC0-B33C8F41F882}"/>
-          </ac:graphicFrameMkLst>
-        </pc:graphicFrameChg>
         <pc:graphicFrameChg chg="add mod modGraphic">
           <ac:chgData name="상욱 이" userId="25c41c118c829273" providerId="LiveId" clId="{4DE66494-F793-40D4-A1DD-1173B77303F2}" dt="2025-03-30T09:15:25.487" v="191" actId="1036"/>
           <ac:graphicFrameMkLst>
@@ -765,28 +701,12 @@
             <ac:graphicFrameMk id="7" creationId="{85DF9C9C-FD45-FBDA-CBB3-DFC3C4B9DA12}"/>
           </ac:graphicFrameMkLst>
         </pc:graphicFrameChg>
-        <pc:picChg chg="del">
-          <ac:chgData name="상욱 이" userId="25c41c118c829273" providerId="LiveId" clId="{4DE66494-F793-40D4-A1DD-1173B77303F2}" dt="2025-03-30T09:09:48.402" v="31" actId="478"/>
-          <ac:picMkLst>
-            <pc:docMk/>
-            <pc:sldMk cId="2913420112" sldId="652"/>
-            <ac:picMk id="3" creationId="{116A212C-D67F-7FE7-67E4-FB427E444801}"/>
-          </ac:picMkLst>
-        </pc:picChg>
         <pc:picChg chg="add mod">
           <ac:chgData name="상욱 이" userId="25c41c118c829273" providerId="LiveId" clId="{4DE66494-F793-40D4-A1DD-1173B77303F2}" dt="2025-03-30T09:10:30.201" v="38" actId="1076"/>
           <ac:picMkLst>
             <pc:docMk/>
             <pc:sldMk cId="2913420112" sldId="652"/>
             <ac:picMk id="4" creationId="{40B22945-BD06-1741-B10E-D406EB91BF8F}"/>
-          </ac:picMkLst>
-        </pc:picChg>
-        <pc:picChg chg="del">
-          <ac:chgData name="상욱 이" userId="25c41c118c829273" providerId="LiveId" clId="{4DE66494-F793-40D4-A1DD-1173B77303F2}" dt="2025-03-30T09:10:04.115" v="34" actId="478"/>
-          <ac:picMkLst>
-            <pc:docMk/>
-            <pc:sldMk cId="2913420112" sldId="652"/>
-            <ac:picMk id="6" creationId="{51D8BD68-0FA1-3E8D-D6C7-33700045B9F5}"/>
           </ac:picMkLst>
         </pc:picChg>
       </pc:sldChg>
@@ -804,14 +724,6 @@
             <ac:spMk id="2" creationId="{B5667769-864F-7044-EFF1-D96F4FD40E2A}"/>
           </ac:spMkLst>
         </pc:spChg>
-        <pc:graphicFrameChg chg="del">
-          <ac:chgData name="상욱 이" userId="25c41c118c829273" providerId="LiveId" clId="{4DE66494-F793-40D4-A1DD-1173B77303F2}" dt="2025-03-30T09:20:44.614" v="789" actId="478"/>
-          <ac:graphicFrameMkLst>
-            <pc:docMk/>
-            <pc:sldMk cId="3286288354" sldId="654"/>
-            <ac:graphicFrameMk id="4" creationId="{9BF0970A-3420-290E-71D3-701AE3D0675C}"/>
-          </ac:graphicFrameMkLst>
-        </pc:graphicFrameChg>
       </pc:sldChg>
       <pc:sldChg chg="modSp mod">
         <pc:chgData name="상욱 이" userId="25c41c118c829273" providerId="LiveId" clId="{4DE66494-F793-40D4-A1DD-1173B77303F2}" dt="2025-03-30T09:20:29.399" v="784" actId="20577"/>
@@ -834,14 +746,6 @@
           <pc:docMk/>
           <pc:sldMk cId="4002757818" sldId="656"/>
         </pc:sldMkLst>
-        <pc:spChg chg="mod">
-          <ac:chgData name="상욱 이" userId="25c41c118c829273" providerId="LiveId" clId="{4DE66494-F793-40D4-A1DD-1173B77303F2}" dt="2025-03-30T09:20:38.087" v="786" actId="20577"/>
-          <ac:spMkLst>
-            <pc:docMk/>
-            <pc:sldMk cId="4002757818" sldId="656"/>
-            <ac:spMk id="2" creationId="{E22CCD61-68F5-387C-54C7-38C377193CBD}"/>
-          </ac:spMkLst>
-        </pc:spChg>
       </pc:sldChg>
       <pc:sldChg chg="del">
         <pc:chgData name="상욱 이" userId="25c41c118c829273" providerId="LiveId" clId="{4DE66494-F793-40D4-A1DD-1173B77303F2}" dt="2025-03-30T09:45:32.207" v="3514" actId="47"/>
@@ -972,30 +876,6 @@
             <ac:spMk id="2" creationId="{9956D059-E255-13BF-BBA9-4A2E87D1AC18}"/>
           </ac:spMkLst>
         </pc:spChg>
-        <pc:spChg chg="add del">
-          <ac:chgData name="상욱 이" userId="25c41c118c829273" providerId="LiveId" clId="{4DE66494-F793-40D4-A1DD-1173B77303F2}" dt="2025-03-30T09:32:28.609" v="2286" actId="478"/>
-          <ac:spMkLst>
-            <pc:docMk/>
-            <pc:sldMk cId="2015828202" sldId="662"/>
-            <ac:spMk id="3" creationId="{F1FF2159-7F04-208A-007E-A50B89E5945A}"/>
-          </ac:spMkLst>
-        </pc:spChg>
-        <pc:spChg chg="del">
-          <ac:chgData name="상욱 이" userId="25c41c118c829273" providerId="LiveId" clId="{4DE66494-F793-40D4-A1DD-1173B77303F2}" dt="2025-03-30T09:32:45.457" v="2290" actId="478"/>
-          <ac:spMkLst>
-            <pc:docMk/>
-            <pc:sldMk cId="2015828202" sldId="662"/>
-            <ac:spMk id="4" creationId="{6087FFC0-20F8-356B-3AC5-1174ED9C6EBD}"/>
-          </ac:spMkLst>
-        </pc:spChg>
-        <pc:spChg chg="del">
-          <ac:chgData name="상욱 이" userId="25c41c118c829273" providerId="LiveId" clId="{4DE66494-F793-40D4-A1DD-1173B77303F2}" dt="2025-03-30T09:32:46.887" v="2291" actId="478"/>
-          <ac:spMkLst>
-            <pc:docMk/>
-            <pc:sldMk cId="2015828202" sldId="662"/>
-            <ac:spMk id="5" creationId="{308FB5B3-9A7D-CA3D-8A63-BD81D34DE4B5}"/>
-          </ac:spMkLst>
-        </pc:spChg>
         <pc:spChg chg="mod">
           <ac:chgData name="상욱 이" userId="25c41c118c829273" providerId="LiveId" clId="{4DE66494-F793-40D4-A1DD-1173B77303F2}" dt="2025-03-30T09:40:39.718" v="2913"/>
           <ac:spMkLst>
@@ -1010,30 +890,6 @@
             <pc:docMk/>
             <pc:sldMk cId="2015828202" sldId="662"/>
             <ac:spMk id="7" creationId="{404BE47F-0F89-B9D1-EF2A-D8C3AB322F68}"/>
-          </ac:spMkLst>
-        </pc:spChg>
-        <pc:spChg chg="del">
-          <ac:chgData name="상욱 이" userId="25c41c118c829273" providerId="LiveId" clId="{4DE66494-F793-40D4-A1DD-1173B77303F2}" dt="2025-03-30T09:33:17.484" v="2336" actId="478"/>
-          <ac:spMkLst>
-            <pc:docMk/>
-            <pc:sldMk cId="2015828202" sldId="662"/>
-            <ac:spMk id="8" creationId="{679B192C-0C53-3D20-20AC-BEE04B7DE089}"/>
-          </ac:spMkLst>
-        </pc:spChg>
-        <pc:spChg chg="del">
-          <ac:chgData name="상욱 이" userId="25c41c118c829273" providerId="LiveId" clId="{4DE66494-F793-40D4-A1DD-1173B77303F2}" dt="2025-03-30T09:33:16.044" v="2334" actId="478"/>
-          <ac:spMkLst>
-            <pc:docMk/>
-            <pc:sldMk cId="2015828202" sldId="662"/>
-            <ac:spMk id="9" creationId="{8DC34073-769B-55D9-0B37-E407F5796590}"/>
-          </ac:spMkLst>
-        </pc:spChg>
-        <pc:spChg chg="del">
-          <ac:chgData name="상욱 이" userId="25c41c118c829273" providerId="LiveId" clId="{4DE66494-F793-40D4-A1DD-1173B77303F2}" dt="2025-03-30T09:33:16.799" v="2335" actId="478"/>
-          <ac:spMkLst>
-            <pc:docMk/>
-            <pc:sldMk cId="2015828202" sldId="662"/>
-            <ac:spMk id="11" creationId="{81C2A1CC-4C98-472B-F25B-05553968C036}"/>
           </ac:spMkLst>
         </pc:spChg>
         <pc:spChg chg="add mod">
@@ -1076,22 +932,6 @@
             <ac:spMk id="24" creationId="{895B16E3-96E4-336F-1C8F-22F77F033505}"/>
           </ac:spMkLst>
         </pc:spChg>
-        <pc:spChg chg="del">
-          <ac:chgData name="상욱 이" userId="25c41c118c829273" providerId="LiveId" clId="{4DE66494-F793-40D4-A1DD-1173B77303F2}" dt="2025-03-30T09:32:49.358" v="2292" actId="478"/>
-          <ac:spMkLst>
-            <pc:docMk/>
-            <pc:sldMk cId="2015828202" sldId="662"/>
-            <ac:spMk id="28" creationId="{0F897AA8-2979-5DD7-0941-B780A5131CDE}"/>
-          </ac:spMkLst>
-        </pc:spChg>
-        <pc:spChg chg="add del">
-          <ac:chgData name="상욱 이" userId="25c41c118c829273" providerId="LiveId" clId="{4DE66494-F793-40D4-A1DD-1173B77303F2}" dt="2025-03-30T09:32:44.150" v="2289" actId="478"/>
-          <ac:spMkLst>
-            <pc:docMk/>
-            <pc:sldMk cId="2015828202" sldId="662"/>
-            <ac:spMk id="31" creationId="{1F787C4C-03C2-6741-DF52-F674410C1FE7}"/>
-          </ac:spMkLst>
-        </pc:spChg>
         <pc:spChg chg="mod">
           <ac:chgData name="상욱 이" userId="25c41c118c829273" providerId="LiveId" clId="{4DE66494-F793-40D4-A1DD-1173B77303F2}" dt="2025-03-30T09:35:20.321" v="2663" actId="20577"/>
           <ac:spMkLst>
@@ -1122,14 +962,6 @@
           <pc:docMk/>
           <pc:sldMk cId="2545834204" sldId="663"/>
         </pc:sldMkLst>
-        <pc:spChg chg="del">
-          <ac:chgData name="상욱 이" userId="25c41c118c829273" providerId="LiveId" clId="{4DE66494-F793-40D4-A1DD-1173B77303F2}" dt="2025-03-30T09:36:40.496" v="2693" actId="478"/>
-          <ac:spMkLst>
-            <pc:docMk/>
-            <pc:sldMk cId="2545834204" sldId="663"/>
-            <ac:spMk id="2" creationId="{8BDF31FE-BFF6-7A31-7477-586095A4D773}"/>
-          </ac:spMkLst>
-        </pc:spChg>
         <pc:spChg chg="add mod">
           <ac:chgData name="상욱 이" userId="25c41c118c829273" providerId="LiveId" clId="{4DE66494-F793-40D4-A1DD-1173B77303F2}" dt="2025-03-30T09:37:01.127" v="2700" actId="1076"/>
           <ac:spMkLst>
@@ -1160,14 +992,6 @@
             <pc:docMk/>
             <pc:sldMk cId="2545834204" sldId="663"/>
             <ac:spMk id="6" creationId="{CC66AC73-60F3-1AC9-E634-B0D7BB73A152}"/>
-          </ac:spMkLst>
-        </pc:spChg>
-        <pc:spChg chg="del">
-          <ac:chgData name="상욱 이" userId="25c41c118c829273" providerId="LiveId" clId="{4DE66494-F793-40D4-A1DD-1173B77303F2}" dt="2025-03-30T09:36:38.758" v="2692" actId="478"/>
-          <ac:spMkLst>
-            <pc:docMk/>
-            <pc:sldMk cId="2545834204" sldId="663"/>
-            <ac:spMk id="7" creationId="{21CA02D1-C504-7DA6-6623-3800E6BCF42B}"/>
           </ac:spMkLst>
         </pc:spChg>
         <pc:spChg chg="add mod">
@@ -1249,30 +1073,6 @@
             <ac:spMk id="2" creationId="{68034CA4-B71A-9637-1515-B8AFC222060C}"/>
           </ac:spMkLst>
         </pc:spChg>
-        <pc:spChg chg="del">
-          <ac:chgData name="상욱 이" userId="25c41c118c829273" providerId="LiveId" clId="{4DE66494-F793-40D4-A1DD-1173B77303F2}" dt="2025-03-30T09:41:05.032" v="2954" actId="478"/>
-          <ac:spMkLst>
-            <pc:docMk/>
-            <pc:sldMk cId="1393837456" sldId="664"/>
-            <ac:spMk id="3" creationId="{CAE983A0-6085-5EC5-92AF-BF06598F362A}"/>
-          </ac:spMkLst>
-        </pc:spChg>
-        <pc:spChg chg="del">
-          <ac:chgData name="상욱 이" userId="25c41c118c829273" providerId="LiveId" clId="{4DE66494-F793-40D4-A1DD-1173B77303F2}" dt="2025-03-30T09:41:14.158" v="2959" actId="478"/>
-          <ac:spMkLst>
-            <pc:docMk/>
-            <pc:sldMk cId="1393837456" sldId="664"/>
-            <ac:spMk id="4" creationId="{8076D542-1D7B-1622-B351-C2F53A2055D1}"/>
-          </ac:spMkLst>
-        </pc:spChg>
-        <pc:spChg chg="del">
-          <ac:chgData name="상욱 이" userId="25c41c118c829273" providerId="LiveId" clId="{4DE66494-F793-40D4-A1DD-1173B77303F2}" dt="2025-03-30T09:41:18.563" v="2960" actId="478"/>
-          <ac:spMkLst>
-            <pc:docMk/>
-            <pc:sldMk cId="1393837456" sldId="664"/>
-            <ac:spMk id="5" creationId="{918AE008-0642-900B-8640-5D8687477E0D}"/>
-          </ac:spMkLst>
-        </pc:spChg>
         <pc:spChg chg="mod">
           <ac:chgData name="상욱 이" userId="25c41c118c829273" providerId="LiveId" clId="{4DE66494-F793-40D4-A1DD-1173B77303F2}" dt="2025-03-30T09:40:30.598" v="2900"/>
           <ac:spMkLst>
@@ -1287,14 +1087,6 @@
             <pc:docMk/>
             <pc:sldMk cId="1393837456" sldId="664"/>
             <ac:spMk id="7" creationId="{52ED5D5C-A5C2-9E95-053F-6E36EC459E9C}"/>
-          </ac:spMkLst>
-        </pc:spChg>
-        <pc:spChg chg="del">
-          <ac:chgData name="상욱 이" userId="25c41c118c829273" providerId="LiveId" clId="{4DE66494-F793-40D4-A1DD-1173B77303F2}" dt="2025-03-30T09:41:27.953" v="2980" actId="478"/>
-          <ac:spMkLst>
-            <pc:docMk/>
-            <pc:sldMk cId="1393837456" sldId="664"/>
-            <ac:spMk id="12" creationId="{E542C210-6B57-2A2D-2D5A-97453C8BE6CF}"/>
           </ac:spMkLst>
         </pc:spChg>
         <pc:spChg chg="add mod">
@@ -1337,22 +1129,6 @@
             <ac:spMk id="24" creationId="{C4494216-9C6F-6FF0-7DA3-B519FC5BB398}"/>
           </ac:spMkLst>
         </pc:spChg>
-        <pc:spChg chg="del">
-          <ac:chgData name="상욱 이" userId="25c41c118c829273" providerId="LiveId" clId="{4DE66494-F793-40D4-A1DD-1173B77303F2}" dt="2025-03-30T09:49:45.833" v="3701" actId="478"/>
-          <ac:spMkLst>
-            <pc:docMk/>
-            <pc:sldMk cId="1393837456" sldId="664"/>
-            <ac:spMk id="28" creationId="{4F0239F4-AA3F-F4A8-8B4B-5CAA9AC0DAD7}"/>
-          </ac:spMkLst>
-        </pc:spChg>
-        <pc:spChg chg="del mod">
-          <ac:chgData name="상욱 이" userId="25c41c118c829273" providerId="LiveId" clId="{4DE66494-F793-40D4-A1DD-1173B77303F2}" dt="2025-03-30T09:41:07.783" v="2956" actId="478"/>
-          <ac:spMkLst>
-            <pc:docMk/>
-            <pc:sldMk cId="1393837456" sldId="664"/>
-            <ac:spMk id="31" creationId="{7CBB24BE-D92F-1C5A-3CDB-11470BF42900}"/>
-          </ac:spMkLst>
-        </pc:spChg>
         <pc:spChg chg="mod">
           <ac:chgData name="상욱 이" userId="25c41c118c829273" providerId="LiveId" clId="{4DE66494-F793-40D4-A1DD-1173B77303F2}" dt="2025-03-30T09:40:25.294" v="2887" actId="20577"/>
           <ac:spMkLst>
@@ -1369,14 +1145,6 @@
             <ac:graphicFrameMk id="10" creationId="{33D233F3-BD94-AF4F-63BC-6332E4AE97B5}"/>
           </ac:graphicFrameMkLst>
         </pc:graphicFrameChg>
-        <pc:picChg chg="add del mod">
-          <ac:chgData name="상욱 이" userId="25c41c118c829273" providerId="LiveId" clId="{4DE66494-F793-40D4-A1DD-1173B77303F2}" dt="2025-03-30T09:50:21.273" v="3706" actId="478"/>
-          <ac:picMkLst>
-            <pc:docMk/>
-            <pc:sldMk cId="1393837456" sldId="664"/>
-            <ac:picMk id="2050" creationId="{E68A0880-8D0B-8E36-110B-1E9FF3B5CAC7}"/>
-          </ac:picMkLst>
-        </pc:picChg>
         <pc:picChg chg="add mod">
           <ac:chgData name="상욱 이" userId="25c41c118c829273" providerId="LiveId" clId="{4DE66494-F793-40D4-A1DD-1173B77303F2}" dt="2025-03-30T09:50:40.208" v="3712" actId="1076"/>
           <ac:picMkLst>
@@ -1392,28 +1160,12 @@
           <pc:docMk/>
           <pc:sldMk cId="124138116" sldId="665"/>
         </pc:sldMkLst>
-        <pc:spChg chg="del">
-          <ac:chgData name="상욱 이" userId="25c41c118c829273" providerId="LiveId" clId="{4DE66494-F793-40D4-A1DD-1173B77303F2}" dt="2025-03-30T09:51:37.416" v="3727" actId="478"/>
-          <ac:spMkLst>
-            <pc:docMk/>
-            <pc:sldMk cId="124138116" sldId="665"/>
-            <ac:spMk id="2" creationId="{664254AC-3520-7FB1-0638-493164EB359D}"/>
-          </ac:spMkLst>
-        </pc:spChg>
         <pc:spChg chg="mod">
           <ac:chgData name="상욱 이" userId="25c41c118c829273" providerId="LiveId" clId="{4DE66494-F793-40D4-A1DD-1173B77303F2}" dt="2025-03-30T09:53:39.364" v="3834" actId="2085"/>
           <ac:spMkLst>
             <pc:docMk/>
             <pc:sldMk cId="124138116" sldId="665"/>
             <ac:spMk id="3" creationId="{6FCC192D-5609-D3A0-074F-3E2CA9899816}"/>
-          </ac:spMkLst>
-        </pc:spChg>
-        <pc:spChg chg="del">
-          <ac:chgData name="상욱 이" userId="25c41c118c829273" providerId="LiveId" clId="{4DE66494-F793-40D4-A1DD-1173B77303F2}" dt="2025-03-30T09:51:45.927" v="3728" actId="478"/>
-          <ac:spMkLst>
-            <pc:docMk/>
-            <pc:sldMk cId="124138116" sldId="665"/>
-            <ac:spMk id="4" creationId="{EE2A5B4E-D004-23EF-F88F-710AF6DF25C8}"/>
           </ac:spMkLst>
         </pc:spChg>
         <pc:spChg chg="mod">
@@ -1448,28 +1200,12 @@
             <ac:spMk id="8" creationId="{30F4543A-854A-23CD-F1E0-B7CE5A3B945C}"/>
           </ac:spMkLst>
         </pc:spChg>
-        <pc:spChg chg="del">
-          <ac:chgData name="상욱 이" userId="25c41c118c829273" providerId="LiveId" clId="{4DE66494-F793-40D4-A1DD-1173B77303F2}" dt="2025-03-30T09:51:34.244" v="3725" actId="478"/>
-          <ac:spMkLst>
-            <pc:docMk/>
-            <pc:sldMk cId="124138116" sldId="665"/>
-            <ac:spMk id="9" creationId="{B079B11D-B797-0958-5100-B453C154BF1C}"/>
-          </ac:spMkLst>
-        </pc:spChg>
         <pc:spChg chg="mod">
           <ac:chgData name="상욱 이" userId="25c41c118c829273" providerId="LiveId" clId="{4DE66494-F793-40D4-A1DD-1173B77303F2}" dt="2025-03-30T09:53:00.588" v="3790" actId="2085"/>
           <ac:spMkLst>
             <pc:docMk/>
             <pc:sldMk cId="124138116" sldId="665"/>
             <ac:spMk id="10" creationId="{9C346704-04A4-011E-65B7-0C3009804AE4}"/>
-          </ac:spMkLst>
-        </pc:spChg>
-        <pc:spChg chg="del">
-          <ac:chgData name="상욱 이" userId="25c41c118c829273" providerId="LiveId" clId="{4DE66494-F793-40D4-A1DD-1173B77303F2}" dt="2025-03-30T09:51:35.746" v="3726" actId="478"/>
-          <ac:spMkLst>
-            <pc:docMk/>
-            <pc:sldMk cId="124138116" sldId="665"/>
-            <ac:spMk id="11" creationId="{A32DA1B3-A689-0E0E-5DFA-78C33FF4FF65}"/>
           </ac:spMkLst>
         </pc:spChg>
         <pc:spChg chg="mod">
@@ -1640,7 +1376,7 @@
           <a:p>
             <a:fld id="{8DBFF32E-A26D-429E-B1A2-9D0633C064F1}" type="datetimeFigureOut">
               <a:rPr lang="ko-KR" altLang="en-US" smtClean="0"/>
-              <a:t>2025-03-30</a:t>
+              <a:t>2025-04-08</a:t>
             </a:fld>
             <a:endParaRPr lang="ko-KR" altLang="en-US"/>
           </a:p>
@@ -2036,7 +1772,7 @@
           <a:p>
             <a:fld id="{C7351A05-FE79-4763-A84F-D4FE701A9E82}" type="datetimeFigureOut">
               <a:rPr lang="ko-KR" altLang="en-US" smtClean="0"/>
-              <a:t>2025-03-30</a:t>
+              <a:t>2025-04-08</a:t>
             </a:fld>
             <a:endParaRPr lang="ko-KR" altLang="en-US"/>
           </a:p>
@@ -2204,7 +1940,7 @@
           <a:p>
             <a:fld id="{C7351A05-FE79-4763-A84F-D4FE701A9E82}" type="datetimeFigureOut">
               <a:rPr lang="ko-KR" altLang="en-US" smtClean="0"/>
-              <a:t>2025-03-30</a:t>
+              <a:t>2025-04-08</a:t>
             </a:fld>
             <a:endParaRPr lang="ko-KR" altLang="en-US"/>
           </a:p>
@@ -2382,7 +2118,7 @@
           <a:p>
             <a:fld id="{C7351A05-FE79-4763-A84F-D4FE701A9E82}" type="datetimeFigureOut">
               <a:rPr lang="ko-KR" altLang="en-US" smtClean="0"/>
-              <a:t>2025-03-30</a:t>
+              <a:t>2025-04-08</a:t>
             </a:fld>
             <a:endParaRPr lang="ko-KR" altLang="en-US"/>
           </a:p>
@@ -2550,7 +2286,7 @@
           <a:p>
             <a:fld id="{C7351A05-FE79-4763-A84F-D4FE701A9E82}" type="datetimeFigureOut">
               <a:rPr lang="ko-KR" altLang="en-US" smtClean="0"/>
-              <a:t>2025-03-30</a:t>
+              <a:t>2025-04-08</a:t>
             </a:fld>
             <a:endParaRPr lang="ko-KR" altLang="en-US"/>
           </a:p>
@@ -2795,7 +2531,7 @@
           <a:p>
             <a:fld id="{C7351A05-FE79-4763-A84F-D4FE701A9E82}" type="datetimeFigureOut">
               <a:rPr lang="ko-KR" altLang="en-US" smtClean="0"/>
-              <a:t>2025-03-30</a:t>
+              <a:t>2025-04-08</a:t>
             </a:fld>
             <a:endParaRPr lang="ko-KR" altLang="en-US"/>
           </a:p>
@@ -3024,7 +2760,7 @@
           <a:p>
             <a:fld id="{C7351A05-FE79-4763-A84F-D4FE701A9E82}" type="datetimeFigureOut">
               <a:rPr lang="ko-KR" altLang="en-US" smtClean="0"/>
-              <a:t>2025-03-30</a:t>
+              <a:t>2025-04-08</a:t>
             </a:fld>
             <a:endParaRPr lang="ko-KR" altLang="en-US"/>
           </a:p>
@@ -3388,7 +3124,7 @@
           <a:p>
             <a:fld id="{C7351A05-FE79-4763-A84F-D4FE701A9E82}" type="datetimeFigureOut">
               <a:rPr lang="ko-KR" altLang="en-US" smtClean="0"/>
-              <a:t>2025-03-30</a:t>
+              <a:t>2025-04-08</a:t>
             </a:fld>
             <a:endParaRPr lang="ko-KR" altLang="en-US"/>
           </a:p>
@@ -3505,7 +3241,7 @@
           <a:p>
             <a:fld id="{C7351A05-FE79-4763-A84F-D4FE701A9E82}" type="datetimeFigureOut">
               <a:rPr lang="ko-KR" altLang="en-US" smtClean="0"/>
-              <a:t>2025-03-30</a:t>
+              <a:t>2025-04-08</a:t>
             </a:fld>
             <a:endParaRPr lang="ko-KR" altLang="en-US"/>
           </a:p>
@@ -3600,7 +3336,7 @@
           <a:p>
             <a:fld id="{C7351A05-FE79-4763-A84F-D4FE701A9E82}" type="datetimeFigureOut">
               <a:rPr lang="ko-KR" altLang="en-US" smtClean="0"/>
-              <a:t>2025-03-30</a:t>
+              <a:t>2025-04-08</a:t>
             </a:fld>
             <a:endParaRPr lang="ko-KR" altLang="en-US"/>
           </a:p>
@@ -3875,7 +3611,7 @@
           <a:p>
             <a:fld id="{C7351A05-FE79-4763-A84F-D4FE701A9E82}" type="datetimeFigureOut">
               <a:rPr lang="ko-KR" altLang="en-US" smtClean="0"/>
-              <a:t>2025-03-30</a:t>
+              <a:t>2025-04-08</a:t>
             </a:fld>
             <a:endParaRPr lang="ko-KR" altLang="en-US"/>
           </a:p>
@@ -4127,7 +3863,7 @@
           <a:p>
             <a:fld id="{C7351A05-FE79-4763-A84F-D4FE701A9E82}" type="datetimeFigureOut">
               <a:rPr lang="ko-KR" altLang="en-US" smtClean="0"/>
-              <a:t>2025-03-30</a:t>
+              <a:t>2025-04-08</a:t>
             </a:fld>
             <a:endParaRPr lang="ko-KR" altLang="en-US"/>
           </a:p>
@@ -4338,7 +4074,7 @@
           <a:p>
             <a:fld id="{C7351A05-FE79-4763-A84F-D4FE701A9E82}" type="datetimeFigureOut">
               <a:rPr lang="ko-KR" altLang="en-US" smtClean="0"/>
-              <a:t>2025-03-30</a:t>
+              <a:t>2025-04-08</a:t>
             </a:fld>
             <a:endParaRPr lang="ko-KR" altLang="en-US"/>
           </a:p>
@@ -9619,7 +9355,7 @@
         </p:nvSpPr>
         <p:spPr>
           <a:xfrm>
-            <a:off x="5999615" y="5083722"/>
+            <a:off x="5999615" y="5170810"/>
             <a:ext cx="1168627" cy="454292"/>
           </a:xfrm>
           <a:prstGeom prst="rect">
@@ -9657,7 +9393,7 @@
               </a:lnSpc>
             </a:pPr>
             <a:r>
-              <a:rPr lang="ko-KR" altLang="en-US"/>
+              <a:rPr lang="ko-KR" altLang="en-US" dirty="0" err="1"/>
               <a:t>뒤로가기</a:t>
             </a:r>
             <a:endParaRPr lang="en-US" altLang="ko-KR" dirty="0"/>
@@ -9678,15 +9414,17 @@
         </p:nvSpPr>
         <p:spPr>
           <a:xfrm>
-            <a:off x="4321629" y="2730784"/>
-            <a:ext cx="2378716" cy="454292"/>
+            <a:off x="6177643" y="3195962"/>
+            <a:ext cx="663520" cy="454292"/>
           </a:xfrm>
           <a:prstGeom prst="rect">
             <a:avLst/>
           </a:prstGeom>
           <a:noFill/>
           <a:ln w="28575">
-            <a:noFill/>
+            <a:solidFill>
+              <a:schemeClr val="tx1"/>
+            </a:solidFill>
           </a:ln>
         </p:spPr>
         <p:style>
@@ -9711,18 +9449,13 @@
           <a:p>
             <a:pPr algn="r"/>
             <a:r>
-              <a:rPr lang="ko-KR" altLang="en-US" dirty="0" err="1">
+              <a:rPr lang="ko-KR" altLang="en-US" dirty="0">
                 <a:solidFill>
                   <a:schemeClr val="tx1"/>
                 </a:solidFill>
               </a:rPr>
-              <a:t>머해</a:t>
+              <a:t>뭐해</a:t>
             </a:r>
-            <a:endParaRPr lang="ko-KR" altLang="en-US" dirty="0">
-              <a:solidFill>
-                <a:schemeClr val="tx1"/>
-              </a:solidFill>
-            </a:endParaRPr>
           </a:p>
         </p:txBody>
       </p:sp>
@@ -9740,15 +9473,17 @@
         </p:nvSpPr>
         <p:spPr>
           <a:xfrm>
-            <a:off x="1563064" y="3288488"/>
-            <a:ext cx="3405352" cy="454292"/>
+            <a:off x="1780071" y="3509787"/>
+            <a:ext cx="1142743" cy="454292"/>
           </a:xfrm>
           <a:prstGeom prst="rect">
             <a:avLst/>
           </a:prstGeom>
           <a:noFill/>
           <a:ln w="28575">
-            <a:noFill/>
+            <a:solidFill>
+              <a:schemeClr val="tx1"/>
+            </a:solidFill>
           </a:ln>
         </p:spPr>
         <p:style>
@@ -9796,7 +9531,7 @@
         </p:nvSpPr>
         <p:spPr>
           <a:xfrm>
-            <a:off x="5063215" y="5083722"/>
+            <a:off x="5063215" y="5176253"/>
             <a:ext cx="758830" cy="454292"/>
           </a:xfrm>
           <a:prstGeom prst="rect">
@@ -9834,7 +9569,7 @@
               </a:lnSpc>
             </a:pPr>
             <a:r>
-              <a:rPr lang="ko-KR" altLang="en-US"/>
+              <a:rPr lang="ko-KR" altLang="en-US" dirty="0"/>
               <a:t>전송</a:t>
             </a:r>
             <a:endParaRPr lang="en-US" altLang="ko-KR" dirty="0"/>
@@ -9855,15 +9590,17 @@
         </p:nvSpPr>
         <p:spPr>
           <a:xfrm>
-            <a:off x="4392385" y="3832499"/>
-            <a:ext cx="2313023" cy="454292"/>
+            <a:off x="5606143" y="3949995"/>
+            <a:ext cx="1311536" cy="454292"/>
           </a:xfrm>
           <a:prstGeom prst="rect">
             <a:avLst/>
           </a:prstGeom>
           <a:noFill/>
           <a:ln w="28575">
-            <a:noFill/>
+            <a:solidFill>
+              <a:schemeClr val="tx1"/>
+            </a:solidFill>
           </a:ln>
         </p:spPr>
         <p:style>
@@ -9925,15 +9662,17 @@
         </p:nvSpPr>
         <p:spPr>
           <a:xfrm>
-            <a:off x="1593394" y="4390203"/>
-            <a:ext cx="3778706" cy="454292"/>
+            <a:off x="1729465" y="4441559"/>
+            <a:ext cx="3468464" cy="454292"/>
           </a:xfrm>
           <a:prstGeom prst="rect">
             <a:avLst/>
           </a:prstGeom>
           <a:noFill/>
           <a:ln w="28575">
-            <a:noFill/>
+            <a:solidFill>
+              <a:schemeClr val="tx1"/>
+            </a:solidFill>
           </a:ln>
         </p:spPr>
         <p:style>
@@ -9997,7 +9736,7 @@
         </p:nvSpPr>
         <p:spPr>
           <a:xfrm>
-            <a:off x="1779809" y="5087468"/>
+            <a:off x="1779809" y="5185442"/>
             <a:ext cx="3105836" cy="454292"/>
           </a:xfrm>
           <a:prstGeom prst="rect">
@@ -10028,26 +9767,21 @@
           <a:p>
             <a:pPr algn="r"/>
             <a:r>
+              <a:rPr lang="ko-KR" altLang="en-US" dirty="0" err="1">
+                <a:solidFill>
+                  <a:schemeClr val="tx1"/>
+                </a:solidFill>
+              </a:rPr>
+              <a:t>채팅창</a:t>
+            </a:r>
+            <a:r>
               <a:rPr lang="ko-KR" altLang="en-US" dirty="0">
                 <a:solidFill>
                   <a:schemeClr val="tx1"/>
                 </a:solidFill>
               </a:rPr>
-              <a:t>재밌겠다</a:t>
+              <a:t> 입력</a:t>
             </a:r>
-            <a:r>
-              <a:rPr lang="en-US" altLang="ko-KR" dirty="0">
-                <a:solidFill>
-                  <a:schemeClr val="tx1"/>
-                </a:solidFill>
-              </a:rPr>
-              <a:t>!!</a:t>
-            </a:r>
-            <a:endParaRPr lang="ko-KR" altLang="en-US" dirty="0">
-              <a:solidFill>
-                <a:schemeClr val="tx1"/>
-              </a:solidFill>
-            </a:endParaRPr>
           </a:p>
         </p:txBody>
       </p:sp>
@@ -10117,7 +9851,7 @@
         </p:nvSpPr>
         <p:spPr>
           <a:xfrm>
-            <a:off x="1779809" y="2509157"/>
+            <a:off x="1729465" y="2372885"/>
             <a:ext cx="745677" cy="675919"/>
           </a:xfrm>
           <a:prstGeom prst="ellipse">
@@ -10163,7 +9897,7 @@
         </p:nvSpPr>
         <p:spPr>
           <a:xfrm>
-            <a:off x="1006909" y="2627367"/>
+            <a:off x="912945" y="2461926"/>
             <a:ext cx="2378716" cy="454292"/>
           </a:xfrm>
           <a:prstGeom prst="rect">
@@ -10206,6 +9940,49 @@
           </a:p>
         </p:txBody>
       </p:sp>
+      <p:cxnSp>
+        <p:nvCxnSpPr>
+          <p:cNvPr id="4" name="직선 연결선 3">
+            <a:extLst>
+              <a:ext uri="{FF2B5EF4-FFF2-40B4-BE49-F238E27FC236}">
+                <a16:creationId xmlns:a16="http://schemas.microsoft.com/office/drawing/2014/main" id="{C58C4BD6-6631-1097-19E1-3250C1BB51D2}"/>
+              </a:ext>
+            </a:extLst>
+          </p:cNvPr>
+          <p:cNvCxnSpPr>
+            <a:cxnSpLocks/>
+          </p:cNvCxnSpPr>
+          <p:nvPr/>
+        </p:nvCxnSpPr>
+        <p:spPr>
+          <a:xfrm flipV="1">
+            <a:off x="1442357" y="3070975"/>
+            <a:ext cx="6052457" cy="10684"/>
+          </a:xfrm>
+          <a:prstGeom prst="line">
+            <a:avLst/>
+          </a:prstGeom>
+          <a:ln w="28575">
+            <a:solidFill>
+              <a:schemeClr val="tx1"/>
+            </a:solidFill>
+          </a:ln>
+        </p:spPr>
+        <p:style>
+          <a:lnRef idx="1">
+            <a:schemeClr val="accent1"/>
+          </a:lnRef>
+          <a:fillRef idx="0">
+            <a:schemeClr val="accent1"/>
+          </a:fillRef>
+          <a:effectRef idx="0">
+            <a:schemeClr val="accent1"/>
+          </a:effectRef>
+          <a:fontRef idx="minor">
+            <a:schemeClr val="tx1"/>
+          </a:fontRef>
+        </p:style>
+      </p:cxnSp>
     </p:spTree>
     <p:extLst>
       <p:ext uri="{BB962C8B-B14F-4D97-AF65-F5344CB8AC3E}">
